--- a/云架构实战/第一单元 远程管理/ppt/02.公钥.pptx
+++ b/云架构实战/第一单元 远程管理/ppt/02.公钥.pptx
@@ -4982,14 +4982,14 @@
           <a:lstStyle/>
           <a:p>
             <a:r>
-              <a:rPr lang="zh-CN" altLang="en-US" sz="2000" dirty="0" smtClean="0">
+              <a:rPr lang="zh-CN" altLang="en-US" sz="2000" dirty="0">
                 <a:solidFill>
                   <a:schemeClr val="tx1"/>
                 </a:solidFill>
                 <a:cs typeface="+mj-cs"/>
                 <a:sym typeface="Browallia New" panose="020B0604020202020204" charset="0"/>
               </a:rPr>
-              <a:t>刘晓军</a:t>
+              <a:t>万家吉</a:t>
             </a:r>
             <a:endParaRPr lang="zh-CN" altLang="en-US" sz="2000" dirty="0">
               <a:solidFill>
